--- a/FlaskCalculatro.pptx
+++ b/FlaskCalculatro.pptx
@@ -35490,8 +35490,8 @@
         </p:blipFill>
         <p:spPr>
           <a:xfrm>
-            <a:off x="694200" y="675424"/>
-            <a:ext cx="6522602" cy="3411550"/>
+            <a:off x="567550" y="955738"/>
+            <a:ext cx="2394524" cy="3232024"/>
           </a:xfrm>
           <a:prstGeom prst="rect">
             <a:avLst/>
